--- a/Apresentação do Projeto.pptx
+++ b/Apresentação do Projeto.pptx
@@ -3416,7 +3416,7 @@
           <a:noFill/>
           <a:extLst>
             <a:ext uri="{909E8E84-426E-40dd-AFC4-6F175D3DCCD1}">
-              <a14:hiddenFill xmlns="" xmlns:a14="http://schemas.microsoft.com/office/drawing/2010/main">
+              <a14:hiddenFill xmlns:a14="http://schemas.microsoft.com/office/drawing/2010/main" xmlns="">
                 <a:solidFill>
                   <a:srgbClr val="FFFFFF"/>
                 </a:solidFill>
@@ -3476,7 +3476,7 @@
             </a:ln>
             <a:extLst>
               <a:ext uri="{91240B29-F687-4f45-9708-019B960494DF}">
-                <a14:hiddenLine xmlns="" xmlns:a14="http://schemas.microsoft.com/office/drawing/2010/main" w="9525">
+                <a14:hiddenLine xmlns:a14="http://schemas.microsoft.com/office/drawing/2010/main" xmlns="" w="9525">
                   <a:solidFill>
                     <a:srgbClr val="000000"/>
                   </a:solidFill>
@@ -3566,7 +3566,7 @@
             </a:ln>
             <a:extLst>
               <a:ext uri="{91240B29-F687-4f45-9708-019B960494DF}">
-                <a14:hiddenLine xmlns="" xmlns:a14="http://schemas.microsoft.com/office/drawing/2010/main" w="9525">
+                <a14:hiddenLine xmlns:a14="http://schemas.microsoft.com/office/drawing/2010/main" xmlns="" w="9525">
                   <a:solidFill>
                     <a:srgbClr val="000000"/>
                   </a:solidFill>
@@ -3656,7 +3656,7 @@
             </a:ln>
             <a:extLst>
               <a:ext uri="{91240B29-F687-4f45-9708-019B960494DF}">
-                <a14:hiddenLine xmlns="" xmlns:a14="http://schemas.microsoft.com/office/drawing/2010/main" w="9525">
+                <a14:hiddenLine xmlns:a14="http://schemas.microsoft.com/office/drawing/2010/main" xmlns="" w="9525">
                   <a:solidFill>
                     <a:srgbClr val="000000"/>
                   </a:solidFill>
@@ -3690,7 +3690,7 @@
             </a:ln>
             <a:extLst>
               <a:ext uri="{91240B29-F687-4f45-9708-019B960494DF}">
-                <a14:hiddenLine xmlns="" xmlns:a14="http://schemas.microsoft.com/office/drawing/2010/main" w="9525">
+                <a14:hiddenLine xmlns:a14="http://schemas.microsoft.com/office/drawing/2010/main" xmlns="" w="9525">
                   <a:solidFill>
                     <a:srgbClr val="000000"/>
                   </a:solidFill>
@@ -3780,7 +3780,7 @@
             </a:ln>
             <a:extLst>
               <a:ext uri="{91240B29-F687-4f45-9708-019B960494DF}">
-                <a14:hiddenLine xmlns="" xmlns:a14="http://schemas.microsoft.com/office/drawing/2010/main" w="9525">
+                <a14:hiddenLine xmlns:a14="http://schemas.microsoft.com/office/drawing/2010/main" xmlns="" w="9525">
                   <a:solidFill>
                     <a:srgbClr val="000000"/>
                   </a:solidFill>
@@ -3842,7 +3842,7 @@
             </a:ln>
             <a:extLst>
               <a:ext uri="{91240B29-F687-4f45-9708-019B960494DF}">
-                <a14:hiddenLine xmlns="" xmlns:a14="http://schemas.microsoft.com/office/drawing/2010/main" w="9525">
+                <a14:hiddenLine xmlns:a14="http://schemas.microsoft.com/office/drawing/2010/main" xmlns="" w="9525">
                   <a:solidFill>
                     <a:srgbClr val="000000"/>
                   </a:solidFill>
@@ -3904,7 +3904,7 @@
             </a:ln>
             <a:extLst>
               <a:ext uri="{91240B29-F687-4f45-9708-019B960494DF}">
-                <a14:hiddenLine xmlns="" xmlns:a14="http://schemas.microsoft.com/office/drawing/2010/main" w="9525">
+                <a14:hiddenLine xmlns:a14="http://schemas.microsoft.com/office/drawing/2010/main" xmlns="" w="9525">
                   <a:solidFill>
                     <a:srgbClr val="000000"/>
                   </a:solidFill>
@@ -3994,7 +3994,7 @@
             </a:ln>
             <a:extLst>
               <a:ext uri="{91240B29-F687-4f45-9708-019B960494DF}">
-                <a14:hiddenLine xmlns="" xmlns:a14="http://schemas.microsoft.com/office/drawing/2010/main" w="9525">
+                <a14:hiddenLine xmlns:a14="http://schemas.microsoft.com/office/drawing/2010/main" xmlns="" w="9525">
                   <a:solidFill>
                     <a:srgbClr val="000000"/>
                   </a:solidFill>
@@ -4056,7 +4056,7 @@
             </a:ln>
             <a:extLst>
               <a:ext uri="{91240B29-F687-4f45-9708-019B960494DF}">
-                <a14:hiddenLine xmlns="" xmlns:a14="http://schemas.microsoft.com/office/drawing/2010/main" w="9525">
+                <a14:hiddenLine xmlns:a14="http://schemas.microsoft.com/office/drawing/2010/main" xmlns="" w="9525">
                   <a:solidFill>
                     <a:srgbClr val="000000"/>
                   </a:solidFill>
@@ -4118,7 +4118,7 @@
             </a:ln>
             <a:extLst>
               <a:ext uri="{91240B29-F687-4f45-9708-019B960494DF}">
-                <a14:hiddenLine xmlns="" xmlns:a14="http://schemas.microsoft.com/office/drawing/2010/main" w="9525">
+                <a14:hiddenLine xmlns:a14="http://schemas.microsoft.com/office/drawing/2010/main" xmlns="" w="9525">
                   <a:solidFill>
                     <a:srgbClr val="000000"/>
                   </a:solidFill>
@@ -4208,7 +4208,7 @@
             </a:ln>
             <a:extLst>
               <a:ext uri="{91240B29-F687-4f45-9708-019B960494DF}">
-                <a14:hiddenLine xmlns="" xmlns:a14="http://schemas.microsoft.com/office/drawing/2010/main" w="9525">
+                <a14:hiddenLine xmlns:a14="http://schemas.microsoft.com/office/drawing/2010/main" xmlns="" w="9525">
                   <a:solidFill>
                     <a:srgbClr val="000000"/>
                   </a:solidFill>
@@ -4298,7 +4298,7 @@
             </a:ln>
             <a:extLst>
               <a:ext uri="{91240B29-F687-4f45-9708-019B960494DF}">
-                <a14:hiddenLine xmlns="" xmlns:a14="http://schemas.microsoft.com/office/drawing/2010/main" w="9525">
+                <a14:hiddenLine xmlns:a14="http://schemas.microsoft.com/office/drawing/2010/main" xmlns="" w="9525">
                   <a:solidFill>
                     <a:srgbClr val="000000"/>
                   </a:solidFill>
@@ -4360,7 +4360,7 @@
             </a:ln>
             <a:extLst>
               <a:ext uri="{91240B29-F687-4f45-9708-019B960494DF}">
-                <a14:hiddenLine xmlns="" xmlns:a14="http://schemas.microsoft.com/office/drawing/2010/main" w="9525">
+                <a14:hiddenLine xmlns:a14="http://schemas.microsoft.com/office/drawing/2010/main" xmlns="" w="9525">
                   <a:solidFill>
                     <a:srgbClr val="000000"/>
                   </a:solidFill>
@@ -4470,7 +4470,7 @@
             </a:ln>
             <a:extLst>
               <a:ext uri="{91240B29-F687-4f45-9708-019B960494DF}">
-                <a14:hiddenLine xmlns="" xmlns:a14="http://schemas.microsoft.com/office/drawing/2010/main" w="9525">
+                <a14:hiddenLine xmlns:a14="http://schemas.microsoft.com/office/drawing/2010/main" xmlns="" w="9525">
                   <a:solidFill>
                     <a:srgbClr val="000000"/>
                   </a:solidFill>
@@ -4532,7 +4532,7 @@
             </a:ln>
             <a:extLst>
               <a:ext uri="{91240B29-F687-4f45-9708-019B960494DF}">
-                <a14:hiddenLine xmlns="" xmlns:a14="http://schemas.microsoft.com/office/drawing/2010/main" w="9525">
+                <a14:hiddenLine xmlns:a14="http://schemas.microsoft.com/office/drawing/2010/main" xmlns="" w="9525">
                   <a:solidFill>
                     <a:srgbClr val="000000"/>
                   </a:solidFill>
@@ -4622,7 +4622,7 @@
             </a:ln>
             <a:extLst>
               <a:ext uri="{91240B29-F687-4f45-9708-019B960494DF}">
-                <a14:hiddenLine xmlns="" xmlns:a14="http://schemas.microsoft.com/office/drawing/2010/main" w="9525">
+                <a14:hiddenLine xmlns:a14="http://schemas.microsoft.com/office/drawing/2010/main" xmlns="" w="9525">
                   <a:solidFill>
                     <a:srgbClr val="000000"/>
                   </a:solidFill>
@@ -4712,7 +4712,7 @@
             </a:ln>
             <a:extLst>
               <a:ext uri="{91240B29-F687-4f45-9708-019B960494DF}">
-                <a14:hiddenLine xmlns="" xmlns:a14="http://schemas.microsoft.com/office/drawing/2010/main" w="9525">
+                <a14:hiddenLine xmlns:a14="http://schemas.microsoft.com/office/drawing/2010/main" xmlns="" w="9525">
                   <a:solidFill>
                     <a:srgbClr val="000000"/>
                   </a:solidFill>
@@ -4774,7 +4774,7 @@
             </a:ln>
             <a:extLst>
               <a:ext uri="{91240B29-F687-4f45-9708-019B960494DF}">
-                <a14:hiddenLine xmlns="" xmlns:a14="http://schemas.microsoft.com/office/drawing/2010/main" w="9525">
+                <a14:hiddenLine xmlns:a14="http://schemas.microsoft.com/office/drawing/2010/main" xmlns="" w="9525">
                   <a:solidFill>
                     <a:srgbClr val="000000"/>
                   </a:solidFill>
@@ -4864,7 +4864,7 @@
             </a:ln>
             <a:extLst>
               <a:ext uri="{91240B29-F687-4f45-9708-019B960494DF}">
-                <a14:hiddenLine xmlns="" xmlns:a14="http://schemas.microsoft.com/office/drawing/2010/main" w="9525">
+                <a14:hiddenLine xmlns:a14="http://schemas.microsoft.com/office/drawing/2010/main" xmlns="" w="9525">
                   <a:solidFill>
                     <a:srgbClr val="000000"/>
                   </a:solidFill>
@@ -4954,7 +4954,7 @@
             </a:ln>
             <a:extLst>
               <a:ext uri="{91240B29-F687-4f45-9708-019B960494DF}">
-                <a14:hiddenLine xmlns="" xmlns:a14="http://schemas.microsoft.com/office/drawing/2010/main" w="9525">
+                <a14:hiddenLine xmlns:a14="http://schemas.microsoft.com/office/drawing/2010/main" xmlns="" w="9525">
                   <a:solidFill>
                     <a:srgbClr val="000000"/>
                   </a:solidFill>
@@ -5010,7 +5010,7 @@
             </a:ln>
             <a:extLst>
               <a:ext uri="{91240B29-F687-4f45-9708-019B960494DF}">
-                <a14:hiddenLine xmlns="" xmlns:a14="http://schemas.microsoft.com/office/drawing/2010/main" w="9525">
+                <a14:hiddenLine xmlns:a14="http://schemas.microsoft.com/office/drawing/2010/main" xmlns="" w="9525">
                   <a:solidFill>
                     <a:srgbClr val="000000"/>
                   </a:solidFill>
@@ -5100,7 +5100,7 @@
             </a:ln>
             <a:extLst>
               <a:ext uri="{91240B29-F687-4f45-9708-019B960494DF}">
-                <a14:hiddenLine xmlns="" xmlns:a14="http://schemas.microsoft.com/office/drawing/2010/main" w="9525">
+                <a14:hiddenLine xmlns:a14="http://schemas.microsoft.com/office/drawing/2010/main" xmlns="" w="9525">
                   <a:solidFill>
                     <a:srgbClr val="000000"/>
                   </a:solidFill>
@@ -5156,7 +5156,7 @@
             </a:ln>
             <a:extLst>
               <a:ext uri="{91240B29-F687-4f45-9708-019B960494DF}">
-                <a14:hiddenLine xmlns="" xmlns:a14="http://schemas.microsoft.com/office/drawing/2010/main" w="9525">
+                <a14:hiddenLine xmlns:a14="http://schemas.microsoft.com/office/drawing/2010/main" xmlns="" w="9525">
                   <a:solidFill>
                     <a:srgbClr val="000000"/>
                   </a:solidFill>
@@ -5246,7 +5246,7 @@
             </a:ln>
             <a:extLst>
               <a:ext uri="{91240B29-F687-4f45-9708-019B960494DF}">
-                <a14:hiddenLine xmlns="" xmlns:a14="http://schemas.microsoft.com/office/drawing/2010/main" w="9525">
+                <a14:hiddenLine xmlns:a14="http://schemas.microsoft.com/office/drawing/2010/main" xmlns="" w="9525">
                   <a:solidFill>
                     <a:srgbClr val="000000"/>
                   </a:solidFill>
@@ -5314,7 +5314,7 @@
             </a:ln>
             <a:extLst>
               <a:ext uri="{91240B29-F687-4f45-9708-019B960494DF}">
-                <a14:hiddenLine xmlns="" xmlns:a14="http://schemas.microsoft.com/office/drawing/2010/main" w="9525">
+                <a14:hiddenLine xmlns:a14="http://schemas.microsoft.com/office/drawing/2010/main" xmlns="" w="9525">
                   <a:solidFill>
                     <a:srgbClr val="000000"/>
                   </a:solidFill>
@@ -5404,7 +5404,7 @@
             </a:ln>
             <a:extLst>
               <a:ext uri="{91240B29-F687-4f45-9708-019B960494DF}">
-                <a14:hiddenLine xmlns="" xmlns:a14="http://schemas.microsoft.com/office/drawing/2010/main" w="9525">
+                <a14:hiddenLine xmlns:a14="http://schemas.microsoft.com/office/drawing/2010/main" xmlns="" w="9525">
                   <a:solidFill>
                     <a:srgbClr val="000000"/>
                   </a:solidFill>
@@ -5472,7 +5472,7 @@
             </a:ln>
             <a:extLst>
               <a:ext uri="{91240B29-F687-4f45-9708-019B960494DF}">
-                <a14:hiddenLine xmlns="" xmlns:a14="http://schemas.microsoft.com/office/drawing/2010/main" w="9525">
+                <a14:hiddenLine xmlns:a14="http://schemas.microsoft.com/office/drawing/2010/main" xmlns="" w="9525">
                   <a:solidFill>
                     <a:srgbClr val="000000"/>
                   </a:solidFill>
@@ -5562,7 +5562,7 @@
             </a:ln>
             <a:extLst>
               <a:ext uri="{91240B29-F687-4f45-9708-019B960494DF}">
-                <a14:hiddenLine xmlns="" xmlns:a14="http://schemas.microsoft.com/office/drawing/2010/main" w="9525">
+                <a14:hiddenLine xmlns:a14="http://schemas.microsoft.com/office/drawing/2010/main" xmlns="" w="9525">
                   <a:solidFill>
                     <a:srgbClr val="000000"/>
                   </a:solidFill>
@@ -5596,7 +5596,7 @@
             </a:ln>
             <a:extLst>
               <a:ext uri="{91240B29-F687-4f45-9708-019B960494DF}">
-                <a14:hiddenLine xmlns="" xmlns:a14="http://schemas.microsoft.com/office/drawing/2010/main" w="9525">
+                <a14:hiddenLine xmlns:a14="http://schemas.microsoft.com/office/drawing/2010/main" xmlns="" w="9525">
                   <a:solidFill>
                     <a:srgbClr val="000000"/>
                   </a:solidFill>
@@ -5686,7 +5686,7 @@
             </a:ln>
             <a:extLst>
               <a:ext uri="{91240B29-F687-4f45-9708-019B960494DF}">
-                <a14:hiddenLine xmlns="" xmlns:a14="http://schemas.microsoft.com/office/drawing/2010/main" w="9525">
+                <a14:hiddenLine xmlns:a14="http://schemas.microsoft.com/office/drawing/2010/main" xmlns="" w="9525">
                   <a:solidFill>
                     <a:srgbClr val="000000"/>
                   </a:solidFill>
@@ -5748,7 +5748,7 @@
             </a:ln>
             <a:extLst>
               <a:ext uri="{91240B29-F687-4f45-9708-019B960494DF}">
-                <a14:hiddenLine xmlns="" xmlns:a14="http://schemas.microsoft.com/office/drawing/2010/main" w="9525">
+                <a14:hiddenLine xmlns:a14="http://schemas.microsoft.com/office/drawing/2010/main" xmlns="" w="9525">
                   <a:solidFill>
                     <a:srgbClr val="000000"/>
                   </a:solidFill>
@@ -5810,7 +5810,7 @@
             </a:ln>
             <a:extLst>
               <a:ext uri="{91240B29-F687-4f45-9708-019B960494DF}">
-                <a14:hiddenLine xmlns="" xmlns:a14="http://schemas.microsoft.com/office/drawing/2010/main" w="9525">
+                <a14:hiddenLine xmlns:a14="http://schemas.microsoft.com/office/drawing/2010/main" xmlns="" w="9525">
                   <a:solidFill>
                     <a:srgbClr val="000000"/>
                   </a:solidFill>
@@ -5900,7 +5900,7 @@
             </a:ln>
             <a:extLst>
               <a:ext uri="{91240B29-F687-4f45-9708-019B960494DF}">
-                <a14:hiddenLine xmlns="" xmlns:a14="http://schemas.microsoft.com/office/drawing/2010/main" w="9525">
+                <a14:hiddenLine xmlns:a14="http://schemas.microsoft.com/office/drawing/2010/main" xmlns="" w="9525">
                   <a:solidFill>
                     <a:srgbClr val="000000"/>
                   </a:solidFill>
@@ -5968,7 +5968,7 @@
             </a:ln>
             <a:extLst>
               <a:ext uri="{91240B29-F687-4f45-9708-019B960494DF}">
-                <a14:hiddenLine xmlns="" xmlns:a14="http://schemas.microsoft.com/office/drawing/2010/main" w="9525">
+                <a14:hiddenLine xmlns:a14="http://schemas.microsoft.com/office/drawing/2010/main" xmlns="" w="9525">
                   <a:solidFill>
                     <a:srgbClr val="000000"/>
                   </a:solidFill>
@@ -6030,7 +6030,7 @@
             </a:ln>
             <a:extLst>
               <a:ext uri="{91240B29-F687-4f45-9708-019B960494DF}">
-                <a14:hiddenLine xmlns="" xmlns:a14="http://schemas.microsoft.com/office/drawing/2010/main" w="9525">
+                <a14:hiddenLine xmlns:a14="http://schemas.microsoft.com/office/drawing/2010/main" xmlns="" w="9525">
                   <a:solidFill>
                     <a:srgbClr val="000000"/>
                   </a:solidFill>
@@ -6120,7 +6120,7 @@
             </a:ln>
             <a:extLst>
               <a:ext uri="{91240B29-F687-4f45-9708-019B960494DF}">
-                <a14:hiddenLine xmlns="" xmlns:a14="http://schemas.microsoft.com/office/drawing/2010/main" w="9525">
+                <a14:hiddenLine xmlns:a14="http://schemas.microsoft.com/office/drawing/2010/main" xmlns="" w="9525">
                   <a:solidFill>
                     <a:srgbClr val="000000"/>
                   </a:solidFill>
@@ -6182,7 +6182,7 @@
             </a:ln>
             <a:extLst>
               <a:ext uri="{91240B29-F687-4f45-9708-019B960494DF}">
-                <a14:hiddenLine xmlns="" xmlns:a14="http://schemas.microsoft.com/office/drawing/2010/main" w="9525">
+                <a14:hiddenLine xmlns:a14="http://schemas.microsoft.com/office/drawing/2010/main" xmlns="" w="9525">
                   <a:solidFill>
                     <a:srgbClr val="000000"/>
                   </a:solidFill>
@@ -6272,7 +6272,7 @@
             </a:ln>
             <a:extLst>
               <a:ext uri="{91240B29-F687-4f45-9708-019B960494DF}">
-                <a14:hiddenLine xmlns="" xmlns:a14="http://schemas.microsoft.com/office/drawing/2010/main" w="9525">
+                <a14:hiddenLine xmlns:a14="http://schemas.microsoft.com/office/drawing/2010/main" xmlns="" w="9525">
                   <a:solidFill>
                     <a:srgbClr val="000000"/>
                   </a:solidFill>
@@ -6334,7 +6334,7 @@
             </a:ln>
             <a:extLst>
               <a:ext uri="{91240B29-F687-4f45-9708-019B960494DF}">
-                <a14:hiddenLine xmlns="" xmlns:a14="http://schemas.microsoft.com/office/drawing/2010/main" w="9525">
+                <a14:hiddenLine xmlns:a14="http://schemas.microsoft.com/office/drawing/2010/main" xmlns="" w="9525">
                   <a:solidFill>
                     <a:srgbClr val="000000"/>
                   </a:solidFill>
@@ -6424,7 +6424,7 @@
             </a:ln>
             <a:extLst>
               <a:ext uri="{91240B29-F687-4f45-9708-019B960494DF}">
-                <a14:hiddenLine xmlns="" xmlns:a14="http://schemas.microsoft.com/office/drawing/2010/main" w="9525">
+                <a14:hiddenLine xmlns:a14="http://schemas.microsoft.com/office/drawing/2010/main" xmlns="" w="9525">
                   <a:solidFill>
                     <a:srgbClr val="000000"/>
                   </a:solidFill>
@@ -6458,7 +6458,7 @@
             </a:ln>
             <a:extLst>
               <a:ext uri="{91240B29-F687-4f45-9708-019B960494DF}">
-                <a14:hiddenLine xmlns="" xmlns:a14="http://schemas.microsoft.com/office/drawing/2010/main" w="9525">
+                <a14:hiddenLine xmlns:a14="http://schemas.microsoft.com/office/drawing/2010/main" xmlns="" w="9525">
                   <a:solidFill>
                     <a:srgbClr val="000000"/>
                   </a:solidFill>
@@ -6523,7 +6523,7 @@
             </a:ln>
             <a:extLst>
               <a:ext uri="{91240B29-F687-4f45-9708-019B960494DF}">
-                <a14:hiddenLine xmlns="" xmlns:a14="http://schemas.microsoft.com/office/drawing/2010/main" w="9525">
+                <a14:hiddenLine xmlns:a14="http://schemas.microsoft.com/office/drawing/2010/main" xmlns="" w="9525">
                   <a:solidFill>
                     <a:srgbClr val="000000"/>
                   </a:solidFill>
@@ -6613,7 +6613,7 @@
             </a:ln>
             <a:extLst>
               <a:ext uri="{91240B29-F687-4f45-9708-019B960494DF}">
-                <a14:hiddenLine xmlns="" xmlns:a14="http://schemas.microsoft.com/office/drawing/2010/main" w="9525">
+                <a14:hiddenLine xmlns:a14="http://schemas.microsoft.com/office/drawing/2010/main" xmlns="" w="9525">
                   <a:solidFill>
                     <a:srgbClr val="000000"/>
                   </a:solidFill>
@@ -6675,7 +6675,7 @@
             </a:ln>
             <a:extLst>
               <a:ext uri="{91240B29-F687-4f45-9708-019B960494DF}">
-                <a14:hiddenLine xmlns="" xmlns:a14="http://schemas.microsoft.com/office/drawing/2010/main" w="9525">
+                <a14:hiddenLine xmlns:a14="http://schemas.microsoft.com/office/drawing/2010/main" xmlns="" w="9525">
                   <a:solidFill>
                     <a:srgbClr val="000000"/>
                   </a:solidFill>
@@ -6765,7 +6765,7 @@
             </a:ln>
             <a:extLst>
               <a:ext uri="{91240B29-F687-4f45-9708-019B960494DF}">
-                <a14:hiddenLine xmlns="" xmlns:a14="http://schemas.microsoft.com/office/drawing/2010/main" w="9525">
+                <a14:hiddenLine xmlns:a14="http://schemas.microsoft.com/office/drawing/2010/main" xmlns="" w="9525">
                   <a:solidFill>
                     <a:srgbClr val="000000"/>
                   </a:solidFill>
@@ -6855,7 +6855,7 @@
             </a:ln>
             <a:extLst>
               <a:ext uri="{91240B29-F687-4f45-9708-019B960494DF}">
-                <a14:hiddenLine xmlns="" xmlns:a14="http://schemas.microsoft.com/office/drawing/2010/main" w="9525">
+                <a14:hiddenLine xmlns:a14="http://schemas.microsoft.com/office/drawing/2010/main" xmlns="" w="9525">
                   <a:solidFill>
                     <a:srgbClr val="000000"/>
                   </a:solidFill>
@@ -6920,7 +6920,7 @@
             </a:ln>
             <a:extLst>
               <a:ext uri="{91240B29-F687-4f45-9708-019B960494DF}">
-                <a14:hiddenLine xmlns="" xmlns:a14="http://schemas.microsoft.com/office/drawing/2010/main" w="9525">
+                <a14:hiddenLine xmlns:a14="http://schemas.microsoft.com/office/drawing/2010/main" xmlns="" w="9525">
                   <a:solidFill>
                     <a:srgbClr val="000000"/>
                   </a:solidFill>
@@ -6982,7 +6982,7 @@
             </a:ln>
             <a:extLst>
               <a:ext uri="{91240B29-F687-4f45-9708-019B960494DF}">
-                <a14:hiddenLine xmlns="" xmlns:a14="http://schemas.microsoft.com/office/drawing/2010/main" w="9525">
+                <a14:hiddenLine xmlns:a14="http://schemas.microsoft.com/office/drawing/2010/main" xmlns="" w="9525">
                   <a:solidFill>
                     <a:srgbClr val="000000"/>
                   </a:solidFill>
@@ -7072,7 +7072,7 @@
             </a:ln>
             <a:extLst>
               <a:ext uri="{91240B29-F687-4f45-9708-019B960494DF}">
-                <a14:hiddenLine xmlns="" xmlns:a14="http://schemas.microsoft.com/office/drawing/2010/main" w="9525">
+                <a14:hiddenLine xmlns:a14="http://schemas.microsoft.com/office/drawing/2010/main" xmlns="" w="9525">
                   <a:solidFill>
                     <a:srgbClr val="000000"/>
                   </a:solidFill>
@@ -7162,7 +7162,7 @@
             </a:ln>
             <a:extLst>
               <a:ext uri="{91240B29-F687-4f45-9708-019B960494DF}">
-                <a14:hiddenLine xmlns="" xmlns:a14="http://schemas.microsoft.com/office/drawing/2010/main" w="9525">
+                <a14:hiddenLine xmlns:a14="http://schemas.microsoft.com/office/drawing/2010/main" xmlns="" w="9525">
                   <a:solidFill>
                     <a:srgbClr val="000000"/>
                   </a:solidFill>
@@ -7224,7 +7224,7 @@
             </a:ln>
             <a:extLst>
               <a:ext uri="{91240B29-F687-4f45-9708-019B960494DF}">
-                <a14:hiddenLine xmlns="" xmlns:a14="http://schemas.microsoft.com/office/drawing/2010/main" w="9525">
+                <a14:hiddenLine xmlns:a14="http://schemas.microsoft.com/office/drawing/2010/main" xmlns="" w="9525">
                   <a:solidFill>
                     <a:srgbClr val="000000"/>
                   </a:solidFill>
@@ -7344,7 +7344,7 @@
             </a:ln>
             <a:extLst>
               <a:ext uri="{91240B29-F687-4f45-9708-019B960494DF}">
-                <a14:hiddenLine xmlns="" xmlns:a14="http://schemas.microsoft.com/office/drawing/2010/main" w="9525">
+                <a14:hiddenLine xmlns:a14="http://schemas.microsoft.com/office/drawing/2010/main" xmlns="" w="9525">
                   <a:solidFill>
                     <a:srgbClr val="000000"/>
                   </a:solidFill>
@@ -7412,7 +7412,7 @@
             </a:ln>
             <a:extLst>
               <a:ext uri="{91240B29-F687-4f45-9708-019B960494DF}">
-                <a14:hiddenLine xmlns="" xmlns:a14="http://schemas.microsoft.com/office/drawing/2010/main" w="9525">
+                <a14:hiddenLine xmlns:a14="http://schemas.microsoft.com/office/drawing/2010/main" xmlns="" w="9525">
                   <a:solidFill>
                     <a:srgbClr val="000000"/>
                   </a:solidFill>
@@ -7502,7 +7502,7 @@
             </a:ln>
             <a:extLst>
               <a:ext uri="{91240B29-F687-4f45-9708-019B960494DF}">
-                <a14:hiddenLine xmlns="" xmlns:a14="http://schemas.microsoft.com/office/drawing/2010/main" w="9525">
+                <a14:hiddenLine xmlns:a14="http://schemas.microsoft.com/office/drawing/2010/main" xmlns="" w="9525">
                   <a:solidFill>
                     <a:srgbClr val="000000"/>
                   </a:solidFill>
@@ -7642,7 +7642,7 @@
           <a:p>
             <a:fld id="{8C81B521-4F6B-4E84-8B8C-2E3D40D0F2FC}" type="datetimeFigureOut">
               <a:rPr lang="pt-BR" smtClean="0"/>
-              <a:t>08/01/2024</a:t>
+              <a:t>09/01/2024</a:t>
             </a:fld>
             <a:endParaRPr lang="pt-BR"/>
           </a:p>
@@ -7909,7 +7909,7 @@
           <a:p>
             <a:fld id="{8C81B521-4F6B-4E84-8B8C-2E3D40D0F2FC}" type="datetimeFigureOut">
               <a:rPr lang="pt-BR" smtClean="0"/>
-              <a:t>08/01/2024</a:t>
+              <a:t>09/01/2024</a:t>
             </a:fld>
             <a:endParaRPr lang="pt-BR"/>
           </a:p>
@@ -8105,7 +8105,7 @@
           <a:p>
             <a:fld id="{8C81B521-4F6B-4E84-8B8C-2E3D40D0F2FC}" type="datetimeFigureOut">
               <a:rPr lang="pt-BR" smtClean="0"/>
-              <a:t>08/01/2024</a:t>
+              <a:t>09/01/2024</a:t>
             </a:fld>
             <a:endParaRPr lang="pt-BR"/>
           </a:p>
@@ -8368,7 +8368,7 @@
           <a:p>
             <a:fld id="{8C81B521-4F6B-4E84-8B8C-2E3D40D0F2FC}" type="datetimeFigureOut">
               <a:rPr lang="pt-BR" smtClean="0"/>
-              <a:t>08/01/2024</a:t>
+              <a:t>09/01/2024</a:t>
             </a:fld>
             <a:endParaRPr lang="pt-BR"/>
           </a:p>
@@ -8802,7 +8802,7 @@
           <a:p>
             <a:fld id="{8C81B521-4F6B-4E84-8B8C-2E3D40D0F2FC}" type="datetimeFigureOut">
               <a:rPr lang="pt-BR" smtClean="0"/>
-              <a:t>08/01/2024</a:t>
+              <a:t>09/01/2024</a:t>
             </a:fld>
             <a:endParaRPr lang="pt-BR"/>
           </a:p>
@@ -9348,7 +9348,7 @@
           <a:p>
             <a:fld id="{8C81B521-4F6B-4E84-8B8C-2E3D40D0F2FC}" type="datetimeFigureOut">
               <a:rPr lang="pt-BR" smtClean="0"/>
-              <a:t>08/01/2024</a:t>
+              <a:t>09/01/2024</a:t>
             </a:fld>
             <a:endParaRPr lang="pt-BR"/>
           </a:p>
@@ -10068,7 +10068,7 @@
           <a:p>
             <a:fld id="{8C81B521-4F6B-4E84-8B8C-2E3D40D0F2FC}" type="datetimeFigureOut">
               <a:rPr lang="pt-BR" smtClean="0"/>
-              <a:t>08/01/2024</a:t>
+              <a:t>09/01/2024</a:t>
             </a:fld>
             <a:endParaRPr lang="pt-BR"/>
           </a:p>
@@ -10238,7 +10238,7 @@
           <a:p>
             <a:fld id="{8C81B521-4F6B-4E84-8B8C-2E3D40D0F2FC}" type="datetimeFigureOut">
               <a:rPr lang="pt-BR" smtClean="0"/>
-              <a:t>08/01/2024</a:t>
+              <a:t>09/01/2024</a:t>
             </a:fld>
             <a:endParaRPr lang="pt-BR"/>
           </a:p>
@@ -10418,7 +10418,7 @@
           <a:p>
             <a:fld id="{8C81B521-4F6B-4E84-8B8C-2E3D40D0F2FC}" type="datetimeFigureOut">
               <a:rPr lang="pt-BR" smtClean="0"/>
-              <a:t>08/01/2024</a:t>
+              <a:t>09/01/2024</a:t>
             </a:fld>
             <a:endParaRPr lang="pt-BR"/>
           </a:p>
@@ -10588,7 +10588,7 @@
           <a:p>
             <a:fld id="{8C81B521-4F6B-4E84-8B8C-2E3D40D0F2FC}" type="datetimeFigureOut">
               <a:rPr lang="pt-BR" smtClean="0"/>
-              <a:t>08/01/2024</a:t>
+              <a:t>09/01/2024</a:t>
             </a:fld>
             <a:endParaRPr lang="pt-BR"/>
           </a:p>
@@ -10838,7 +10838,7 @@
           <a:p>
             <a:fld id="{8C81B521-4F6B-4E84-8B8C-2E3D40D0F2FC}" type="datetimeFigureOut">
               <a:rPr lang="pt-BR" smtClean="0"/>
-              <a:t>08/01/2024</a:t>
+              <a:t>09/01/2024</a:t>
             </a:fld>
             <a:endParaRPr lang="pt-BR"/>
           </a:p>
@@ -11070,7 +11070,7 @@
           <a:p>
             <a:fld id="{8C81B521-4F6B-4E84-8B8C-2E3D40D0F2FC}" type="datetimeFigureOut">
               <a:rPr lang="pt-BR" smtClean="0"/>
-              <a:t>08/01/2024</a:t>
+              <a:t>09/01/2024</a:t>
             </a:fld>
             <a:endParaRPr lang="pt-BR"/>
           </a:p>
@@ -11451,7 +11451,7 @@
           <a:p>
             <a:fld id="{8C81B521-4F6B-4E84-8B8C-2E3D40D0F2FC}" type="datetimeFigureOut">
               <a:rPr lang="pt-BR" smtClean="0"/>
-              <a:t>08/01/2024</a:t>
+              <a:t>09/01/2024</a:t>
             </a:fld>
             <a:endParaRPr lang="pt-BR"/>
           </a:p>
@@ -11569,7 +11569,7 @@
           <a:p>
             <a:fld id="{8C81B521-4F6B-4E84-8B8C-2E3D40D0F2FC}" type="datetimeFigureOut">
               <a:rPr lang="pt-BR" smtClean="0"/>
-              <a:t>08/01/2024</a:t>
+              <a:t>09/01/2024</a:t>
             </a:fld>
             <a:endParaRPr lang="pt-BR"/>
           </a:p>
@@ -11664,7 +11664,7 @@
           <a:p>
             <a:fld id="{8C81B521-4F6B-4E84-8B8C-2E3D40D0F2FC}" type="datetimeFigureOut">
               <a:rPr lang="pt-BR" smtClean="0"/>
-              <a:t>08/01/2024</a:t>
+              <a:t>09/01/2024</a:t>
             </a:fld>
             <a:endParaRPr lang="pt-BR"/>
           </a:p>
@@ -11913,7 +11913,7 @@
           <a:p>
             <a:fld id="{8C81B521-4F6B-4E84-8B8C-2E3D40D0F2FC}" type="datetimeFigureOut">
               <a:rPr lang="pt-BR" smtClean="0"/>
-              <a:t>08/01/2024</a:t>
+              <a:t>09/01/2024</a:t>
             </a:fld>
             <a:endParaRPr lang="pt-BR"/>
           </a:p>
@@ -12193,7 +12193,7 @@
           <a:p>
             <a:fld id="{8C81B521-4F6B-4E84-8B8C-2E3D40D0F2FC}" type="datetimeFigureOut">
               <a:rPr lang="pt-BR" smtClean="0"/>
-              <a:t>08/01/2024</a:t>
+              <a:t>09/01/2024</a:t>
             </a:fld>
             <a:endParaRPr lang="pt-BR"/>
           </a:p>
@@ -12309,7 +12309,7 @@
           <a:noFill/>
           <a:extLst>
             <a:ext uri="{909E8E84-426E-40dd-AFC4-6F175D3DCCD1}">
-              <a14:hiddenFill xmlns="" xmlns:a14="http://schemas.microsoft.com/office/drawing/2010/main">
+              <a14:hiddenFill xmlns:a14="http://schemas.microsoft.com/office/drawing/2010/main" xmlns="">
                 <a:solidFill>
                   <a:srgbClr val="FFFFFF"/>
                 </a:solidFill>
@@ -12383,7 +12383,7 @@
               </a:ln>
               <a:extLst>
                 <a:ext uri="{91240B29-F687-4f45-9708-019B960494DF}">
-                  <a14:hiddenLine xmlns="" xmlns:a14="http://schemas.microsoft.com/office/drawing/2010/main" w="9525">
+                  <a14:hiddenLine xmlns:a14="http://schemas.microsoft.com/office/drawing/2010/main" xmlns="" w="9525">
                     <a:solidFill>
                       <a:srgbClr val="000000"/>
                     </a:solidFill>
@@ -12473,7 +12473,7 @@
               </a:ln>
               <a:extLst>
                 <a:ext uri="{91240B29-F687-4f45-9708-019B960494DF}">
-                  <a14:hiddenLine xmlns="" xmlns:a14="http://schemas.microsoft.com/office/drawing/2010/main" w="9525">
+                  <a14:hiddenLine xmlns:a14="http://schemas.microsoft.com/office/drawing/2010/main" xmlns="" w="9525">
                     <a:solidFill>
                       <a:srgbClr val="000000"/>
                     </a:solidFill>
@@ -12563,7 +12563,7 @@
               </a:ln>
               <a:extLst>
                 <a:ext uri="{91240B29-F687-4f45-9708-019B960494DF}">
-                  <a14:hiddenLine xmlns="" xmlns:a14="http://schemas.microsoft.com/office/drawing/2010/main" w="9525">
+                  <a14:hiddenLine xmlns:a14="http://schemas.microsoft.com/office/drawing/2010/main" xmlns="" w="9525">
                     <a:solidFill>
                       <a:srgbClr val="000000"/>
                     </a:solidFill>
@@ -12625,7 +12625,7 @@
               </a:ln>
               <a:extLst>
                 <a:ext uri="{91240B29-F687-4f45-9708-019B960494DF}">
-                  <a14:hiddenLine xmlns="" xmlns:a14="http://schemas.microsoft.com/office/drawing/2010/main" w="9525">
+                  <a14:hiddenLine xmlns:a14="http://schemas.microsoft.com/office/drawing/2010/main" xmlns="" w="9525">
                     <a:solidFill>
                       <a:srgbClr val="000000"/>
                     </a:solidFill>
@@ -12715,7 +12715,7 @@
               </a:ln>
               <a:extLst>
                 <a:ext uri="{91240B29-F687-4f45-9708-019B960494DF}">
-                  <a14:hiddenLine xmlns="" xmlns:a14="http://schemas.microsoft.com/office/drawing/2010/main" w="9525">
+                  <a14:hiddenLine xmlns:a14="http://schemas.microsoft.com/office/drawing/2010/main" xmlns="" w="9525">
                     <a:solidFill>
                       <a:srgbClr val="000000"/>
                     </a:solidFill>
@@ -12777,7 +12777,7 @@
               </a:ln>
               <a:extLst>
                 <a:ext uri="{91240B29-F687-4f45-9708-019B960494DF}">
-                  <a14:hiddenLine xmlns="" xmlns:a14="http://schemas.microsoft.com/office/drawing/2010/main" w="9525">
+                  <a14:hiddenLine xmlns:a14="http://schemas.microsoft.com/office/drawing/2010/main" xmlns="" w="9525">
                     <a:solidFill>
                       <a:srgbClr val="000000"/>
                     </a:solidFill>
@@ -12839,7 +12839,7 @@
               </a:ln>
               <a:extLst>
                 <a:ext uri="{91240B29-F687-4f45-9708-019B960494DF}">
-                  <a14:hiddenLine xmlns="" xmlns:a14="http://schemas.microsoft.com/office/drawing/2010/main" w="9525">
+                  <a14:hiddenLine xmlns:a14="http://schemas.microsoft.com/office/drawing/2010/main" xmlns="" w="9525">
                     <a:solidFill>
                       <a:srgbClr val="000000"/>
                     </a:solidFill>
@@ -12929,7 +12929,7 @@
               </a:ln>
               <a:extLst>
                 <a:ext uri="{91240B29-F687-4f45-9708-019B960494DF}">
-                  <a14:hiddenLine xmlns="" xmlns:a14="http://schemas.microsoft.com/office/drawing/2010/main" w="9525">
+                  <a14:hiddenLine xmlns:a14="http://schemas.microsoft.com/office/drawing/2010/main" xmlns="" w="9525">
                     <a:solidFill>
                       <a:srgbClr val="000000"/>
                     </a:solidFill>
@@ -13019,7 +13019,7 @@
               </a:ln>
               <a:extLst>
                 <a:ext uri="{91240B29-F687-4f45-9708-019B960494DF}">
-                  <a14:hiddenLine xmlns="" xmlns:a14="http://schemas.microsoft.com/office/drawing/2010/main" w="9525">
+                  <a14:hiddenLine xmlns:a14="http://schemas.microsoft.com/office/drawing/2010/main" xmlns="" w="9525">
                     <a:solidFill>
                       <a:srgbClr val="000000"/>
                     </a:solidFill>
@@ -13081,7 +13081,7 @@
               </a:ln>
               <a:extLst>
                 <a:ext uri="{91240B29-F687-4f45-9708-019B960494DF}">
-                  <a14:hiddenLine xmlns="" xmlns:a14="http://schemas.microsoft.com/office/drawing/2010/main" w="9525">
+                  <a14:hiddenLine xmlns:a14="http://schemas.microsoft.com/office/drawing/2010/main" xmlns="" w="9525">
                     <a:solidFill>
                       <a:srgbClr val="000000"/>
                     </a:solidFill>
@@ -13191,7 +13191,7 @@
               </a:ln>
               <a:extLst>
                 <a:ext uri="{91240B29-F687-4f45-9708-019B960494DF}">
-                  <a14:hiddenLine xmlns="" xmlns:a14="http://schemas.microsoft.com/office/drawing/2010/main" w="9525">
+                  <a14:hiddenLine xmlns:a14="http://schemas.microsoft.com/office/drawing/2010/main" xmlns="" w="9525">
                     <a:solidFill>
                       <a:srgbClr val="000000"/>
                     </a:solidFill>
@@ -13275,7 +13275,7 @@
               </a:ln>
               <a:extLst>
                 <a:ext uri="{91240B29-F687-4f45-9708-019B960494DF}">
-                  <a14:hiddenLine xmlns="" xmlns:a14="http://schemas.microsoft.com/office/drawing/2010/main" w="9525">
+                  <a14:hiddenLine xmlns:a14="http://schemas.microsoft.com/office/drawing/2010/main" xmlns="" w="9525">
                     <a:solidFill>
                       <a:srgbClr val="000000"/>
                     </a:solidFill>
@@ -13337,7 +13337,7 @@
               </a:ln>
               <a:extLst>
                 <a:ext uri="{91240B29-F687-4f45-9708-019B960494DF}">
-                  <a14:hiddenLine xmlns="" xmlns:a14="http://schemas.microsoft.com/office/drawing/2010/main" w="9525">
+                  <a14:hiddenLine xmlns:a14="http://schemas.microsoft.com/office/drawing/2010/main" xmlns="" w="9525">
                     <a:solidFill>
                       <a:srgbClr val="000000"/>
                     </a:solidFill>
@@ -13399,7 +13399,7 @@
               </a:ln>
               <a:extLst>
                 <a:ext uri="{91240B29-F687-4f45-9708-019B960494DF}">
-                  <a14:hiddenLine xmlns="" xmlns:a14="http://schemas.microsoft.com/office/drawing/2010/main" w="9525">
+                  <a14:hiddenLine xmlns:a14="http://schemas.microsoft.com/office/drawing/2010/main" xmlns="" w="9525">
                     <a:solidFill>
                       <a:srgbClr val="000000"/>
                     </a:solidFill>
@@ -13489,7 +13489,7 @@
               </a:ln>
               <a:extLst>
                 <a:ext uri="{91240B29-F687-4f45-9708-019B960494DF}">
-                  <a14:hiddenLine xmlns="" xmlns:a14="http://schemas.microsoft.com/office/drawing/2010/main" w="9525">
+                  <a14:hiddenLine xmlns:a14="http://schemas.microsoft.com/office/drawing/2010/main" xmlns="" w="9525">
                     <a:solidFill>
                       <a:srgbClr val="000000"/>
                     </a:solidFill>
@@ -13523,7 +13523,7 @@
               </a:ln>
               <a:extLst>
                 <a:ext uri="{91240B29-F687-4f45-9708-019B960494DF}">
-                  <a14:hiddenLine xmlns="" xmlns:a14="http://schemas.microsoft.com/office/drawing/2010/main" w="9525">
+                  <a14:hiddenLine xmlns:a14="http://schemas.microsoft.com/office/drawing/2010/main" xmlns="" w="9525">
                     <a:solidFill>
                       <a:srgbClr val="000000"/>
                     </a:solidFill>
@@ -13588,7 +13588,7 @@
               </a:ln>
               <a:extLst>
                 <a:ext uri="{91240B29-F687-4f45-9708-019B960494DF}">
-                  <a14:hiddenLine xmlns="" xmlns:a14="http://schemas.microsoft.com/office/drawing/2010/main" w="9525">
+                  <a14:hiddenLine xmlns:a14="http://schemas.microsoft.com/office/drawing/2010/main" xmlns="" w="9525">
                     <a:solidFill>
                       <a:srgbClr val="000000"/>
                     </a:solidFill>
@@ -13678,7 +13678,7 @@
               </a:ln>
               <a:extLst>
                 <a:ext uri="{91240B29-F687-4f45-9708-019B960494DF}">
-                  <a14:hiddenLine xmlns="" xmlns:a14="http://schemas.microsoft.com/office/drawing/2010/main" w="9525">
+                  <a14:hiddenLine xmlns:a14="http://schemas.microsoft.com/office/drawing/2010/main" xmlns="" w="9525">
                     <a:solidFill>
                       <a:srgbClr val="000000"/>
                     </a:solidFill>
@@ -13740,7 +13740,7 @@
               </a:ln>
               <a:extLst>
                 <a:ext uri="{91240B29-F687-4f45-9708-019B960494DF}">
-                  <a14:hiddenLine xmlns="" xmlns:a14="http://schemas.microsoft.com/office/drawing/2010/main" w="9525">
+                  <a14:hiddenLine xmlns:a14="http://schemas.microsoft.com/office/drawing/2010/main" xmlns="" w="9525">
                     <a:solidFill>
                       <a:srgbClr val="000000"/>
                     </a:solidFill>
@@ -13830,7 +13830,7 @@
               </a:ln>
               <a:extLst>
                 <a:ext uri="{91240B29-F687-4f45-9708-019B960494DF}">
-                  <a14:hiddenLine xmlns="" xmlns:a14="http://schemas.microsoft.com/office/drawing/2010/main" w="9525">
+                  <a14:hiddenLine xmlns:a14="http://schemas.microsoft.com/office/drawing/2010/main" xmlns="" w="9525">
                     <a:solidFill>
                       <a:srgbClr val="000000"/>
                     </a:solidFill>
@@ -13895,7 +13895,7 @@
               </a:ln>
               <a:extLst>
                 <a:ext uri="{91240B29-F687-4f45-9708-019B960494DF}">
-                  <a14:hiddenLine xmlns="" xmlns:a14="http://schemas.microsoft.com/office/drawing/2010/main" w="9525">
+                  <a14:hiddenLine xmlns:a14="http://schemas.microsoft.com/office/drawing/2010/main" xmlns="" w="9525">
                     <a:solidFill>
                       <a:srgbClr val="000000"/>
                     </a:solidFill>
@@ -13957,7 +13957,7 @@
               </a:ln>
               <a:extLst>
                 <a:ext uri="{91240B29-F687-4f45-9708-019B960494DF}">
-                  <a14:hiddenLine xmlns="" xmlns:a14="http://schemas.microsoft.com/office/drawing/2010/main" w="9525">
+                  <a14:hiddenLine xmlns:a14="http://schemas.microsoft.com/office/drawing/2010/main" xmlns="" w="9525">
                     <a:solidFill>
                       <a:srgbClr val="000000"/>
                     </a:solidFill>
@@ -14047,7 +14047,7 @@
               </a:ln>
               <a:extLst>
                 <a:ext uri="{91240B29-F687-4f45-9708-019B960494DF}">
-                  <a14:hiddenLine xmlns="" xmlns:a14="http://schemas.microsoft.com/office/drawing/2010/main" w="9525">
+                  <a14:hiddenLine xmlns:a14="http://schemas.microsoft.com/office/drawing/2010/main" xmlns="" w="9525">
                     <a:solidFill>
                       <a:srgbClr val="000000"/>
                     </a:solidFill>
@@ -14137,7 +14137,7 @@
               </a:ln>
               <a:extLst>
                 <a:ext uri="{91240B29-F687-4f45-9708-019B960494DF}">
-                  <a14:hiddenLine xmlns="" xmlns:a14="http://schemas.microsoft.com/office/drawing/2010/main" w="9525">
+                  <a14:hiddenLine xmlns:a14="http://schemas.microsoft.com/office/drawing/2010/main" xmlns="" w="9525">
                     <a:solidFill>
                       <a:srgbClr val="000000"/>
                     </a:solidFill>
@@ -14202,7 +14202,7 @@
               </a:ln>
               <a:extLst>
                 <a:ext uri="{91240B29-F687-4f45-9708-019B960494DF}">
-                  <a14:hiddenLine xmlns="" xmlns:a14="http://schemas.microsoft.com/office/drawing/2010/main" w="9525">
+                  <a14:hiddenLine xmlns:a14="http://schemas.microsoft.com/office/drawing/2010/main" xmlns="" w="9525">
                     <a:solidFill>
                       <a:srgbClr val="000000"/>
                     </a:solidFill>
@@ -14322,7 +14322,7 @@
               </a:ln>
               <a:extLst>
                 <a:ext uri="{91240B29-F687-4f45-9708-019B960494DF}">
-                  <a14:hiddenLine xmlns="" xmlns:a14="http://schemas.microsoft.com/office/drawing/2010/main" w="9525">
+                  <a14:hiddenLine xmlns:a14="http://schemas.microsoft.com/office/drawing/2010/main" xmlns="" w="9525">
                     <a:solidFill>
                       <a:srgbClr val="000000"/>
                     </a:solidFill>
@@ -14420,7 +14420,7 @@
               </a:ln>
               <a:extLst>
                 <a:ext uri="{91240B29-F687-4f45-9708-019B960494DF}">
-                  <a14:hiddenLine xmlns="" xmlns:a14="http://schemas.microsoft.com/office/drawing/2010/main" w="9525">
+                  <a14:hiddenLine xmlns:a14="http://schemas.microsoft.com/office/drawing/2010/main" xmlns="" w="9525">
                     <a:solidFill>
                       <a:srgbClr val="000000"/>
                     </a:solidFill>
@@ -14535,7 +14535,7 @@
               </a:ln>
               <a:extLst>
                 <a:ext uri="{91240B29-F687-4f45-9708-019B960494DF}">
-                  <a14:hiddenLine xmlns="" xmlns:a14="http://schemas.microsoft.com/office/drawing/2010/main" w="9525">
+                  <a14:hiddenLine xmlns:a14="http://schemas.microsoft.com/office/drawing/2010/main" xmlns="" w="9525">
                     <a:solidFill>
                       <a:srgbClr val="000000"/>
                     </a:solidFill>
@@ -14625,7 +14625,7 @@
               </a:ln>
               <a:extLst>
                 <a:ext uri="{91240B29-F687-4f45-9708-019B960494DF}">
-                  <a14:hiddenLine xmlns="" xmlns:a14="http://schemas.microsoft.com/office/drawing/2010/main" w="9525">
+                  <a14:hiddenLine xmlns:a14="http://schemas.microsoft.com/office/drawing/2010/main" xmlns="" w="9525">
                     <a:solidFill>
                       <a:srgbClr val="000000"/>
                     </a:solidFill>
@@ -14690,7 +14690,7 @@
               </a:ln>
               <a:extLst>
                 <a:ext uri="{91240B29-F687-4f45-9708-019B960494DF}">
-                  <a14:hiddenLine xmlns="" xmlns:a14="http://schemas.microsoft.com/office/drawing/2010/main" w="9525">
+                  <a14:hiddenLine xmlns:a14="http://schemas.microsoft.com/office/drawing/2010/main" xmlns="" w="9525">
                     <a:solidFill>
                       <a:srgbClr val="000000"/>
                     </a:solidFill>
@@ -14780,7 +14780,7 @@
               </a:ln>
               <a:extLst>
                 <a:ext uri="{91240B29-F687-4f45-9708-019B960494DF}">
-                  <a14:hiddenLine xmlns="" xmlns:a14="http://schemas.microsoft.com/office/drawing/2010/main" w="9525">
+                  <a14:hiddenLine xmlns:a14="http://schemas.microsoft.com/office/drawing/2010/main" xmlns="" w="9525">
                     <a:solidFill>
                       <a:srgbClr val="000000"/>
                     </a:solidFill>
@@ -14848,7 +14848,7 @@
               </a:ln>
               <a:extLst>
                 <a:ext uri="{91240B29-F687-4f45-9708-019B960494DF}">
-                  <a14:hiddenLine xmlns="" xmlns:a14="http://schemas.microsoft.com/office/drawing/2010/main" w="9525">
+                  <a14:hiddenLine xmlns:a14="http://schemas.microsoft.com/office/drawing/2010/main" xmlns="" w="9525">
                     <a:solidFill>
                       <a:srgbClr val="000000"/>
                     </a:solidFill>
@@ -14938,7 +14938,7 @@
               </a:ln>
               <a:extLst>
                 <a:ext uri="{91240B29-F687-4f45-9708-019B960494DF}">
-                  <a14:hiddenLine xmlns="" xmlns:a14="http://schemas.microsoft.com/office/drawing/2010/main" w="9525">
+                  <a14:hiddenLine xmlns:a14="http://schemas.microsoft.com/office/drawing/2010/main" xmlns="" w="9525">
                     <a:solidFill>
                       <a:srgbClr val="000000"/>
                     </a:solidFill>
@@ -15006,7 +15006,7 @@
               </a:ln>
               <a:extLst>
                 <a:ext uri="{91240B29-F687-4f45-9708-019B960494DF}">
-                  <a14:hiddenLine xmlns="" xmlns:a14="http://schemas.microsoft.com/office/drawing/2010/main" w="9525">
+                  <a14:hiddenLine xmlns:a14="http://schemas.microsoft.com/office/drawing/2010/main" xmlns="" w="9525">
                     <a:solidFill>
                       <a:srgbClr val="000000"/>
                     </a:solidFill>
@@ -15096,7 +15096,7 @@
               </a:ln>
               <a:extLst>
                 <a:ext uri="{91240B29-F687-4f45-9708-019B960494DF}">
-                  <a14:hiddenLine xmlns="" xmlns:a14="http://schemas.microsoft.com/office/drawing/2010/main" w="9525">
+                  <a14:hiddenLine xmlns:a14="http://schemas.microsoft.com/office/drawing/2010/main" xmlns="" w="9525">
                     <a:solidFill>
                       <a:srgbClr val="000000"/>
                     </a:solidFill>
@@ -15130,7 +15130,7 @@
               </a:ln>
               <a:extLst>
                 <a:ext uri="{91240B29-F687-4f45-9708-019B960494DF}">
-                  <a14:hiddenLine xmlns="" xmlns:a14="http://schemas.microsoft.com/office/drawing/2010/main" w="9525">
+                  <a14:hiddenLine xmlns:a14="http://schemas.microsoft.com/office/drawing/2010/main" xmlns="" w="9525">
                     <a:solidFill>
                       <a:srgbClr val="000000"/>
                     </a:solidFill>
@@ -15270,7 +15270,7 @@
           <a:p>
             <a:fld id="{8C81B521-4F6B-4E84-8B8C-2E3D40D0F2FC}" type="datetimeFigureOut">
               <a:rPr lang="pt-BR" smtClean="0"/>
-              <a:t>08/01/2024</a:t>
+              <a:t>09/01/2024</a:t>
             </a:fld>
             <a:endParaRPr lang="pt-BR"/>
           </a:p>
@@ -16539,11 +16539,7 @@
           <a:lstStyle/>
           <a:p>
             <a:r>
-              <a:rPr lang="pt-BR" sz="1100" dirty="0">
-                <a:solidFill>
-                  <a:schemeClr val="bg1"/>
-                </a:solidFill>
-              </a:rPr>
+              <a:rPr lang="pt-BR" sz="1100" dirty="0"/>
               <a:t>Minhas Redes Sociais:</a:t>
             </a:r>
           </a:p>
